--- a/slides/arch-brief/diagram.pptx
+++ b/slides/arch-brief/diagram.pptx
@@ -116,6 +116,22 @@
       </a:defRPr>
     </a:lvl9pPr>
   </p:defaultTextStyle>
+  <p:extLst>
+    <p:ext uri="{EFAFB233-063F-42B5-8137-9DF3F51BA10A}">
+      <p15:sldGuideLst xmlns:p15="http://schemas.microsoft.com/office/powerpoint/2012/main">
+        <p15:guide id="1" orient="horz" pos="2160">
+          <p15:clr>
+            <a:srgbClr val="A4A3A4"/>
+          </p15:clr>
+        </p15:guide>
+        <p15:guide id="2" pos="2880">
+          <p15:clr>
+            <a:srgbClr val="A4A3A4"/>
+          </p15:clr>
+        </p15:guide>
+      </p15:sldGuideLst>
+    </p:ext>
+  </p:extLst>
 </p:presentation>
 </file>
 
@@ -201,7 +217,7 @@
           <a:p>
             <a:fld id="{8BFDEDA9-417C-0D4D-85A3-53B6FDB496E2}" type="datetimeFigureOut">
               <a:rPr kumimoji="1" lang="zh-CN" altLang="en-US" smtClean="0"/>
-              <a:t>16-12-10</a:t>
+              <a:t>2017/10/26</a:t>
             </a:fld>
             <a:endParaRPr kumimoji="1" lang="zh-CN" altLang="en-US"/>
           </a:p>
@@ -1070,7 +1086,7 @@
           <a:p>
             <a:fld id="{C94B894C-BBBD-8B4A-86D2-999E792BD33E}" type="datetimeFigureOut">
               <a:rPr kumimoji="1" lang="zh-CN" altLang="en-US" smtClean="0"/>
-              <a:t>16-12-10</a:t>
+              <a:t>2017/10/26</a:t>
             </a:fld>
             <a:endParaRPr kumimoji="1" lang="zh-CN" altLang="en-US"/>
           </a:p>
@@ -1240,7 +1256,7 @@
           <a:p>
             <a:fld id="{C94B894C-BBBD-8B4A-86D2-999E792BD33E}" type="datetimeFigureOut">
               <a:rPr kumimoji="1" lang="zh-CN" altLang="en-US" smtClean="0"/>
-              <a:t>16-12-10</a:t>
+              <a:t>2017/10/26</a:t>
             </a:fld>
             <a:endParaRPr kumimoji="1" lang="zh-CN" altLang="en-US"/>
           </a:p>
@@ -1420,7 +1436,7 @@
           <a:p>
             <a:fld id="{C94B894C-BBBD-8B4A-86D2-999E792BD33E}" type="datetimeFigureOut">
               <a:rPr kumimoji="1" lang="zh-CN" altLang="en-US" smtClean="0"/>
-              <a:t>16-12-10</a:t>
+              <a:t>2017/10/26</a:t>
             </a:fld>
             <a:endParaRPr kumimoji="1" lang="zh-CN" altLang="en-US"/>
           </a:p>
@@ -1590,7 +1606,7 @@
           <a:p>
             <a:fld id="{C94B894C-BBBD-8B4A-86D2-999E792BD33E}" type="datetimeFigureOut">
               <a:rPr kumimoji="1" lang="zh-CN" altLang="en-US" smtClean="0"/>
-              <a:t>16-12-10</a:t>
+              <a:t>2017/10/26</a:t>
             </a:fld>
             <a:endParaRPr kumimoji="1" lang="zh-CN" altLang="en-US"/>
           </a:p>
@@ -1836,7 +1852,7 @@
           <a:p>
             <a:fld id="{C94B894C-BBBD-8B4A-86D2-999E792BD33E}" type="datetimeFigureOut">
               <a:rPr kumimoji="1" lang="zh-CN" altLang="en-US" smtClean="0"/>
-              <a:t>16-12-10</a:t>
+              <a:t>2017/10/26</a:t>
             </a:fld>
             <a:endParaRPr kumimoji="1" lang="zh-CN" altLang="en-US"/>
           </a:p>
@@ -2124,7 +2140,7 @@
           <a:p>
             <a:fld id="{C94B894C-BBBD-8B4A-86D2-999E792BD33E}" type="datetimeFigureOut">
               <a:rPr kumimoji="1" lang="zh-CN" altLang="en-US" smtClean="0"/>
-              <a:t>16-12-10</a:t>
+              <a:t>2017/10/26</a:t>
             </a:fld>
             <a:endParaRPr kumimoji="1" lang="zh-CN" altLang="en-US"/>
           </a:p>
@@ -2546,7 +2562,7 @@
           <a:p>
             <a:fld id="{C94B894C-BBBD-8B4A-86D2-999E792BD33E}" type="datetimeFigureOut">
               <a:rPr kumimoji="1" lang="zh-CN" altLang="en-US" smtClean="0"/>
-              <a:t>16-12-10</a:t>
+              <a:t>2017/10/26</a:t>
             </a:fld>
             <a:endParaRPr kumimoji="1" lang="zh-CN" altLang="en-US"/>
           </a:p>
@@ -2664,7 +2680,7 @@
           <a:p>
             <a:fld id="{C94B894C-BBBD-8B4A-86D2-999E792BD33E}" type="datetimeFigureOut">
               <a:rPr kumimoji="1" lang="zh-CN" altLang="en-US" smtClean="0"/>
-              <a:t>16-12-10</a:t>
+              <a:t>2017/10/26</a:t>
             </a:fld>
             <a:endParaRPr kumimoji="1" lang="zh-CN" altLang="en-US"/>
           </a:p>
@@ -2759,7 +2775,7 @@
           <a:p>
             <a:fld id="{C94B894C-BBBD-8B4A-86D2-999E792BD33E}" type="datetimeFigureOut">
               <a:rPr kumimoji="1" lang="zh-CN" altLang="en-US" smtClean="0"/>
-              <a:t>16-12-10</a:t>
+              <a:t>2017/10/26</a:t>
             </a:fld>
             <a:endParaRPr kumimoji="1" lang="zh-CN" altLang="en-US"/>
           </a:p>
@@ -3036,7 +3052,7 @@
           <a:p>
             <a:fld id="{C94B894C-BBBD-8B4A-86D2-999E792BD33E}" type="datetimeFigureOut">
               <a:rPr kumimoji="1" lang="zh-CN" altLang="en-US" smtClean="0"/>
-              <a:t>16-12-10</a:t>
+              <a:t>2017/10/26</a:t>
             </a:fld>
             <a:endParaRPr kumimoji="1" lang="zh-CN" altLang="en-US"/>
           </a:p>
@@ -3289,7 +3305,7 @@
           <a:p>
             <a:fld id="{C94B894C-BBBD-8B4A-86D2-999E792BD33E}" type="datetimeFigureOut">
               <a:rPr kumimoji="1" lang="zh-CN" altLang="en-US" smtClean="0"/>
-              <a:t>16-12-10</a:t>
+              <a:t>2017/10/26</a:t>
             </a:fld>
             <a:endParaRPr kumimoji="1" lang="zh-CN" altLang="en-US"/>
           </a:p>
@@ -3502,7 +3518,7 @@
           <a:p>
             <a:fld id="{C94B894C-BBBD-8B4A-86D2-999E792BD33E}" type="datetimeFigureOut">
               <a:rPr kumimoji="1" lang="zh-CN" altLang="en-US" smtClean="0"/>
-              <a:t>16-12-10</a:t>
+              <a:t>2017/10/26</a:t>
             </a:fld>
             <a:endParaRPr kumimoji="1" lang="zh-CN" altLang="en-US"/>
           </a:p>
@@ -14366,10 +14382,6 @@
               </a:rPr>
               <a:t>render</a:t>
             </a:r>
-            <a:endParaRPr kumimoji="1" lang="en-US" altLang="zh-CN" sz="2000" dirty="0" smtClean="0">
-              <a:latin typeface="Helvetica"/>
-              <a:cs typeface="Helvetica"/>
-            </a:endParaRPr>
           </a:p>
         </p:txBody>
       </p:sp>
@@ -14982,8 +14994,8 @@
         </p:nvSpPr>
         <p:spPr>
           <a:xfrm>
-            <a:off x="5861764" y="6125045"/>
-            <a:ext cx="925677" cy="902290"/>
+            <a:off x="5822398" y="6125045"/>
+            <a:ext cx="965043" cy="902290"/>
           </a:xfrm>
           <a:prstGeom prst="ellipse">
             <a:avLst/>
@@ -16318,10 +16330,6 @@
               </a:rPr>
               <a:t>output</a:t>
             </a:r>
-            <a:endParaRPr kumimoji="1" lang="en-US" altLang="zh-CN" sz="2000" dirty="0" smtClean="0">
-              <a:latin typeface="Helvetica"/>
-              <a:cs typeface="Helvetica"/>
-            </a:endParaRPr>
           </a:p>
         </p:txBody>
       </p:sp>
@@ -17017,50 +17025,39 @@
                 <a:latin typeface="Helvetica"/>
                 <a:cs typeface="Helvetica"/>
               </a:rPr>
-              <a:t>reate</a:t>
+              <a:t>reate shapes update</a:t>
+            </a:r>
+            <a:r>
+              <a:rPr kumimoji="1" lang="zh-CN" altLang="en-US" sz="1200" dirty="0" smtClean="0">
+                <a:latin typeface="Helvetica"/>
+                <a:cs typeface="Helvetica"/>
+              </a:rPr>
+              <a:t> </a:t>
             </a:r>
             <a:r>
               <a:rPr kumimoji="1" lang="en-US" altLang="zh-CN" sz="1200" dirty="0" smtClean="0">
                 <a:latin typeface="Helvetica"/>
                 <a:cs typeface="Helvetica"/>
               </a:rPr>
-              <a:t> shapes update</a:t>
-            </a:r>
-            <a:r>
-              <a:rPr kumimoji="1" lang="zh-CN" altLang="en-US" sz="1200" dirty="0" smtClean="0">
-                <a:latin typeface="Helvetica"/>
-                <a:cs typeface="Helvetica"/>
-              </a:rPr>
-              <a:t> </a:t>
+              <a:t>shapes</a:t>
+            </a:r>
+          </a:p>
+          <a:p>
+            <a:pPr algn="ctr"/>
+            <a:r>
+              <a:rPr kumimoji="1" lang="en-US" altLang="zh-CN" sz="1200" dirty="0">
+                <a:latin typeface="Helvetica"/>
+                <a:cs typeface="Helvetica"/>
+              </a:rPr>
+              <a:t>s</a:t>
             </a:r>
             <a:r>
               <a:rPr kumimoji="1" lang="en-US" altLang="zh-CN" sz="1200" dirty="0" smtClean="0">
                 <a:latin typeface="Helvetica"/>
                 <a:cs typeface="Helvetica"/>
               </a:rPr>
-              <a:t>shapes</a:t>
-            </a:r>
-          </a:p>
-          <a:p>
-            <a:pPr algn="ctr"/>
-            <a:r>
-              <a:rPr kumimoji="1" lang="en-US" altLang="zh-CN" sz="1200" dirty="0">
-                <a:latin typeface="Helvetica"/>
-                <a:cs typeface="Helvetica"/>
-              </a:rPr>
-              <a:t>s</a:t>
-            </a:r>
-            <a:r>
-              <a:rPr kumimoji="1" lang="en-US" altLang="zh-CN" sz="1200" dirty="0" smtClean="0">
-                <a:latin typeface="Helvetica"/>
-                <a:cs typeface="Helvetica"/>
-              </a:rPr>
               <a:t>et style</a:t>
             </a:r>
-            <a:endParaRPr kumimoji="1" lang="en-US" altLang="zh-CN" sz="1200" dirty="0" smtClean="0">
-              <a:latin typeface="Helvetica"/>
-              <a:cs typeface="Helvetica"/>
-            </a:endParaRPr>
           </a:p>
         </p:txBody>
       </p:sp>
